--- a/第一组/zzq/神经网络编码实现中注意点.pptx
+++ b/第一组/zzq/神经网络编码实现中注意点.pptx
@@ -6239,12 +6239,6 @@
               <a:t>正则化参数</a:t>
             </a:r>
             <a:endParaRPr lang="en-US" altLang="zh-CN" dirty="0"/>
-          </a:p>
-          <a:p>
-            <a:r>
-              <a:rPr lang="zh-CN" altLang="en-US" dirty="0"/>
-              <a:t>其他</a:t>
-            </a:r>
           </a:p>
         </p:txBody>
       </p:sp>
